--- a/slides/intro-2024.pptx
+++ b/slides/intro-2024.pptx
@@ -215,7 +215,7 @@
           <a:p>
             <a:fld id="{68821D78-9E6C-B646-88EB-2890585D61E3}" type="datetimeFigureOut">
               <a:rPr lang="en-US" smtClean="0"/>
-              <a:t>8/22/24</a:t>
+              <a:t>9/5/24</a:t>
             </a:fld>
             <a:endParaRPr lang="en-US"/>
           </a:p>
@@ -651,6 +651,90 @@
           <a:p>
             <a:fld id="{0EF4167F-2D41-8B47-9318-506896EDC144}" type="slidenum">
               <a:rPr lang="en-US" smtClean="0"/>
+              <a:t>6</a:t>
+            </a:fld>
+            <a:endParaRPr lang="en-US"/>
+          </a:p>
+        </p:txBody>
+      </p:sp>
+    </p:spTree>
+    <p:extLst>
+      <p:ext uri="{BB962C8B-B14F-4D97-AF65-F5344CB8AC3E}">
+        <p14:creationId xmlns:p14="http://schemas.microsoft.com/office/powerpoint/2010/main" val="2571594476"/>
+      </p:ext>
+    </p:extLst>
+  </p:cSld>
+  <p:clrMapOvr>
+    <a:masterClrMapping/>
+  </p:clrMapOvr>
+</p:notes>
+</file>
+
+<file path=ppt/notesSlides/notesSlide3.xml><?xml version="1.0" encoding="utf-8"?>
+<p:notes xmlns:a="http://schemas.openxmlformats.org/drawingml/2006/main" xmlns:r="http://schemas.openxmlformats.org/officeDocument/2006/relationships" xmlns:p="http://schemas.openxmlformats.org/presentationml/2006/main">
+  <p:cSld>
+    <p:spTree>
+      <p:nvGrpSpPr>
+        <p:cNvPr id="1" name=""/>
+        <p:cNvGrpSpPr/>
+        <p:nvPr/>
+      </p:nvGrpSpPr>
+      <p:grpSpPr>
+        <a:xfrm>
+          <a:off x="0" y="0"/>
+          <a:ext cx="0" cy="0"/>
+          <a:chOff x="0" y="0"/>
+          <a:chExt cx="0" cy="0"/>
+        </a:xfrm>
+      </p:grpSpPr>
+      <p:sp>
+        <p:nvSpPr>
+          <p:cNvPr id="2" name="Slide Image Placeholder 1"/>
+          <p:cNvSpPr>
+            <a:spLocks noGrp="1" noRot="1" noChangeAspect="1"/>
+          </p:cNvSpPr>
+          <p:nvPr>
+            <p:ph type="sldImg"/>
+          </p:nvPr>
+        </p:nvSpPr>
+        <p:spPr/>
+      </p:sp>
+      <p:sp>
+        <p:nvSpPr>
+          <p:cNvPr id="3" name="Notes Placeholder 2"/>
+          <p:cNvSpPr>
+            <a:spLocks noGrp="1"/>
+          </p:cNvSpPr>
+          <p:nvPr>
+            <p:ph type="body" idx="1"/>
+          </p:nvPr>
+        </p:nvSpPr>
+        <p:spPr/>
+        <p:txBody>
+          <a:bodyPr/>
+          <a:lstStyle/>
+          <a:p>
+            <a:endParaRPr lang="en-US" dirty="0"/>
+          </a:p>
+        </p:txBody>
+      </p:sp>
+      <p:sp>
+        <p:nvSpPr>
+          <p:cNvPr id="4" name="Slide Number Placeholder 3"/>
+          <p:cNvSpPr>
+            <a:spLocks noGrp="1"/>
+          </p:cNvSpPr>
+          <p:nvPr>
+            <p:ph type="sldNum" sz="quarter" idx="5"/>
+          </p:nvPr>
+        </p:nvSpPr>
+        <p:spPr/>
+        <p:txBody>
+          <a:bodyPr/>
+          <a:lstStyle/>
+          <a:p>
+            <a:fld id="{0EF4167F-2D41-8B47-9318-506896EDC144}" type="slidenum">
+              <a:rPr lang="en-US" smtClean="0"/>
               <a:t>7</a:t>
             </a:fld>
             <a:endParaRPr lang="en-US"/>
@@ -661,6 +745,90 @@
     <p:extLst>
       <p:ext uri="{BB962C8B-B14F-4D97-AF65-F5344CB8AC3E}">
         <p14:creationId xmlns:p14="http://schemas.microsoft.com/office/powerpoint/2010/main" val="2215261408"/>
+      </p:ext>
+    </p:extLst>
+  </p:cSld>
+  <p:clrMapOvr>
+    <a:masterClrMapping/>
+  </p:clrMapOvr>
+</p:notes>
+</file>
+
+<file path=ppt/notesSlides/notesSlide4.xml><?xml version="1.0" encoding="utf-8"?>
+<p:notes xmlns:a="http://schemas.openxmlformats.org/drawingml/2006/main" xmlns:r="http://schemas.openxmlformats.org/officeDocument/2006/relationships" xmlns:p="http://schemas.openxmlformats.org/presentationml/2006/main">
+  <p:cSld>
+    <p:spTree>
+      <p:nvGrpSpPr>
+        <p:cNvPr id="1" name=""/>
+        <p:cNvGrpSpPr/>
+        <p:nvPr/>
+      </p:nvGrpSpPr>
+      <p:grpSpPr>
+        <a:xfrm>
+          <a:off x="0" y="0"/>
+          <a:ext cx="0" cy="0"/>
+          <a:chOff x="0" y="0"/>
+          <a:chExt cx="0" cy="0"/>
+        </a:xfrm>
+      </p:grpSpPr>
+      <p:sp>
+        <p:nvSpPr>
+          <p:cNvPr id="2" name="Slide Image Placeholder 1"/>
+          <p:cNvSpPr>
+            <a:spLocks noGrp="1" noRot="1" noChangeAspect="1"/>
+          </p:cNvSpPr>
+          <p:nvPr>
+            <p:ph type="sldImg"/>
+          </p:nvPr>
+        </p:nvSpPr>
+        <p:spPr/>
+      </p:sp>
+      <p:sp>
+        <p:nvSpPr>
+          <p:cNvPr id="3" name="Notes Placeholder 2"/>
+          <p:cNvSpPr>
+            <a:spLocks noGrp="1"/>
+          </p:cNvSpPr>
+          <p:nvPr>
+            <p:ph type="body" idx="1"/>
+          </p:nvPr>
+        </p:nvSpPr>
+        <p:spPr/>
+        <p:txBody>
+          <a:bodyPr/>
+          <a:lstStyle/>
+          <a:p>
+            <a:endParaRPr lang="en-US" dirty="0"/>
+          </a:p>
+        </p:txBody>
+      </p:sp>
+      <p:sp>
+        <p:nvSpPr>
+          <p:cNvPr id="4" name="Slide Number Placeholder 3"/>
+          <p:cNvSpPr>
+            <a:spLocks noGrp="1"/>
+          </p:cNvSpPr>
+          <p:nvPr>
+            <p:ph type="sldNum" sz="quarter" idx="5"/>
+          </p:nvPr>
+        </p:nvSpPr>
+        <p:spPr/>
+        <p:txBody>
+          <a:bodyPr/>
+          <a:lstStyle/>
+          <a:p>
+            <a:fld id="{0EF4167F-2D41-8B47-9318-506896EDC144}" type="slidenum">
+              <a:rPr lang="en-US" smtClean="0"/>
+              <a:t>8</a:t>
+            </a:fld>
+            <a:endParaRPr lang="en-US"/>
+          </a:p>
+        </p:txBody>
+      </p:sp>
+    </p:spTree>
+    <p:extLst>
+      <p:ext uri="{BB962C8B-B14F-4D97-AF65-F5344CB8AC3E}">
+        <p14:creationId xmlns:p14="http://schemas.microsoft.com/office/powerpoint/2010/main" val="674563478"/>
       </p:ext>
     </p:extLst>
   </p:cSld>
@@ -819,7 +987,7 @@
           <a:p>
             <a:fld id="{A8204DBF-0C16-D94B-88B5-0D2B44601F75}" type="datetimeFigureOut">
               <a:rPr lang="en-US" smtClean="0"/>
-              <a:t>8/20/24</a:t>
+              <a:t>9/5/24</a:t>
             </a:fld>
             <a:endParaRPr lang="en-US"/>
           </a:p>
@@ -1035,7 +1203,7 @@
           <a:p>
             <a:fld id="{A8204DBF-0C16-D94B-88B5-0D2B44601F75}" type="datetimeFigureOut">
               <a:rPr lang="en-US" smtClean="0"/>
-              <a:t>8/20/24</a:t>
+              <a:t>9/5/24</a:t>
             </a:fld>
             <a:endParaRPr lang="en-US"/>
           </a:p>
@@ -1245,7 +1413,7 @@
           <a:p>
             <a:fld id="{A8204DBF-0C16-D94B-88B5-0D2B44601F75}" type="datetimeFigureOut">
               <a:rPr lang="en-US" smtClean="0"/>
-              <a:t>8/20/24</a:t>
+              <a:t>9/5/24</a:t>
             </a:fld>
             <a:endParaRPr lang="en-US"/>
           </a:p>
@@ -1445,7 +1613,7 @@
           <a:p>
             <a:fld id="{A8204DBF-0C16-D94B-88B5-0D2B44601F75}" type="datetimeFigureOut">
               <a:rPr lang="en-US" smtClean="0"/>
-              <a:t>8/20/24</a:t>
+              <a:t>9/5/24</a:t>
             </a:fld>
             <a:endParaRPr lang="en-US"/>
           </a:p>
@@ -1721,7 +1889,7 @@
           <a:p>
             <a:fld id="{A8204DBF-0C16-D94B-88B5-0D2B44601F75}" type="datetimeFigureOut">
               <a:rPr lang="en-US" smtClean="0"/>
-              <a:t>8/20/24</a:t>
+              <a:t>9/5/24</a:t>
             </a:fld>
             <a:endParaRPr lang="en-US"/>
           </a:p>
@@ -1989,7 +2157,7 @@
           <a:p>
             <a:fld id="{A8204DBF-0C16-D94B-88B5-0D2B44601F75}" type="datetimeFigureOut">
               <a:rPr lang="en-US" smtClean="0"/>
-              <a:t>8/20/24</a:t>
+              <a:t>9/5/24</a:t>
             </a:fld>
             <a:endParaRPr lang="en-US"/>
           </a:p>
@@ -2404,7 +2572,7 @@
           <a:p>
             <a:fld id="{A8204DBF-0C16-D94B-88B5-0D2B44601F75}" type="datetimeFigureOut">
               <a:rPr lang="en-US" smtClean="0"/>
-              <a:t>8/20/24</a:t>
+              <a:t>9/5/24</a:t>
             </a:fld>
             <a:endParaRPr lang="en-US"/>
           </a:p>
@@ -2546,7 +2714,7 @@
           <a:p>
             <a:fld id="{A8204DBF-0C16-D94B-88B5-0D2B44601F75}" type="datetimeFigureOut">
               <a:rPr lang="en-US" smtClean="0"/>
-              <a:t>8/20/24</a:t>
+              <a:t>9/5/24</a:t>
             </a:fld>
             <a:endParaRPr lang="en-US"/>
           </a:p>
@@ -2659,7 +2827,7 @@
           <a:p>
             <a:fld id="{A8204DBF-0C16-D94B-88B5-0D2B44601F75}" type="datetimeFigureOut">
               <a:rPr lang="en-US" smtClean="0"/>
-              <a:t>8/20/24</a:t>
+              <a:t>9/5/24</a:t>
             </a:fld>
             <a:endParaRPr lang="en-US"/>
           </a:p>
@@ -2972,7 +3140,7 @@
           <a:p>
             <a:fld id="{A8204DBF-0C16-D94B-88B5-0D2B44601F75}" type="datetimeFigureOut">
               <a:rPr lang="en-US" smtClean="0"/>
-              <a:t>8/20/24</a:t>
+              <a:t>9/5/24</a:t>
             </a:fld>
             <a:endParaRPr lang="en-US"/>
           </a:p>
@@ -3261,7 +3429,7 @@
           <a:p>
             <a:fld id="{A8204DBF-0C16-D94B-88B5-0D2B44601F75}" type="datetimeFigureOut">
               <a:rPr lang="en-US" smtClean="0"/>
-              <a:t>8/20/24</a:t>
+              <a:t>9/5/24</a:t>
             </a:fld>
             <a:endParaRPr lang="en-US"/>
           </a:p>
@@ -3614,7 +3782,7 @@
           <a:p>
             <a:fld id="{A8204DBF-0C16-D94B-88B5-0D2B44601F75}" type="datetimeFigureOut">
               <a:rPr lang="en-US" smtClean="0"/>
-              <a:t>8/20/24</a:t>
+              <a:t>9/5/24</a:t>
             </a:fld>
             <a:endParaRPr lang="en-US"/>
           </a:p>
@@ -4316,19 +4484,7 @@
               <a:rPr lang="en-US" dirty="0">
                 <a:hlinkClick r:id="rId2"/>
               </a:rPr>
-              <a:t>https://github.com/</a:t>
-            </a:r>
-            <a:r>
-              <a:rPr lang="en-US" dirty="0" err="1">
-                <a:hlinkClick r:id="rId2"/>
-              </a:rPr>
-              <a:t>jmorado</a:t>
-            </a:r>
-            <a:r>
-              <a:rPr lang="en-US" dirty="0">
-                <a:hlinkClick r:id="rId2"/>
-              </a:rPr>
-              <a:t> </a:t>
+              <a:t>https://github.com/jmorado</a:t>
             </a:r>
             <a:r>
               <a:rPr lang="en-US" dirty="0"/>
@@ -4474,7 +4630,7 @@
           <a:p>
             <a:r>
               <a:rPr lang="en-GB" sz="2000" b="1" dirty="0"/>
-              <a:t>9:40-10:30</a:t>
+              <a:t>9:40-10:45</a:t>
             </a:r>
             <a:r>
               <a:rPr lang="en-GB" sz="2000" dirty="0"/>
@@ -4503,7 +4659,7 @@
           <a:p>
             <a:r>
               <a:rPr lang="en-GB" sz="2000" b="1" dirty="0"/>
-              <a:t>10:30-11:00</a:t>
+              <a:t>10:45-11:00</a:t>
             </a:r>
             <a:r>
               <a:rPr lang="en-GB" sz="2000" dirty="0"/>
@@ -4665,6 +4821,10 @@
           <a:bodyPr/>
           <a:lstStyle/>
           <a:p>
+            <a:pPr marL="514350" indent="-514350">
+              <a:buFont typeface="+mj-lt"/>
+              <a:buAutoNum type="arabicPeriod"/>
+            </a:pPr>
             <a:r>
               <a:rPr lang="en-US" dirty="0"/>
               <a:t>What is </a:t>
@@ -4679,12 +4839,20 @@
             </a:r>
           </a:p>
           <a:p>
+            <a:pPr marL="514350" indent="-514350">
+              <a:buFont typeface="+mj-lt"/>
+              <a:buAutoNum type="arabicPeriod"/>
+            </a:pPr>
             <a:r>
               <a:rPr lang="en-US" dirty="0"/>
               <a:t>What will we do in this workshop?</a:t>
             </a:r>
           </a:p>
           <a:p>
+            <a:pPr marL="514350" indent="-514350">
+              <a:buFont typeface="+mj-lt"/>
+              <a:buAutoNum type="arabicPeriod"/>
+            </a:pPr>
             <a:r>
               <a:rPr lang="en-US" dirty="0"/>
               <a:t>How can I get help after the workshop?</a:t>
@@ -4796,7 +4964,7 @@
             <a:pPr lvl="1" algn="just"/>
             <a:r>
               <a:rPr lang="en-US" dirty="0"/>
-              <a:t>And/or use it as a Library</a:t>
+              <a:t>And/or use it as a library</a:t>
             </a:r>
           </a:p>
           <a:p>
@@ -4835,7 +5003,7 @@
             </a:r>
             <a:r>
               <a:rPr lang="en-US" dirty="0"/>
-              <a:t> Library</a:t>
+              <a:t> library</a:t>
             </a:r>
           </a:p>
           <a:p>
@@ -5001,7 +5169,7 @@
             </a:r>
             <a:r>
               <a:rPr lang="en-US" sz="2800" dirty="0"/>
-              <a:t>AMD GPUs </a:t>
+              <a:t>AMD GPUs (coming soon in version 8.2)</a:t>
             </a:r>
           </a:p>
           <a:p>
@@ -5141,9 +5309,21 @@
             </a:r>
             <a:r>
               <a:rPr lang="en-US" dirty="0">
-                <a:hlinkClick r:id="rId2"/>
+                <a:hlinkClick r:id="rId3"/>
               </a:rPr>
-              <a:t>https://github.com/openmm/openmm_workshop_september2024</a:t>
+              <a:t>https://github.com/</a:t>
+            </a:r>
+            <a:r>
+              <a:rPr lang="en-US" dirty="0">
+                <a:hlinkClick r:id="rId3"/>
+              </a:rPr>
+              <a:t>openmm</a:t>
+            </a:r>
+            <a:r>
+              <a:rPr lang="en-US" dirty="0">
+                <a:hlinkClick r:id="rId3"/>
+              </a:rPr>
+              <a:t>/openmm_workshops</a:t>
             </a:r>
             <a:endParaRPr lang="en-US" dirty="0"/>
           </a:p>
@@ -5156,7 +5336,7 @@
           <a:p>
             <a:pPr lvl="1"/>
             <a:r>
-              <a:rPr lang="en-US" dirty="0"/>
+              <a:rPr lang="en-US" b="1" dirty="0"/>
               <a:t>Beginner:</a:t>
             </a:r>
           </a:p>
@@ -5175,8 +5355,12 @@
           <a:p>
             <a:pPr lvl="2"/>
             <a:r>
+              <a:rPr lang="en-US" b="1" dirty="0"/>
+              <a:t>Protein-ligand complex: </a:t>
+            </a:r>
+            <a:r>
               <a:rPr lang="en-US" dirty="0"/>
-              <a:t>Protein-ligand complex: learn</a:t>
+              <a:t>learn how to set up a protein-ligand complex simulation.</a:t>
             </a:r>
           </a:p>
           <a:p>
@@ -5189,7 +5373,7 @@
           <a:p>
             <a:pPr lvl="2"/>
             <a:r>
-              <a:rPr lang="en-US" dirty="0"/>
+              <a:rPr lang="en-US" b="1" dirty="0"/>
               <a:t>Custom forces: </a:t>
             </a:r>
             <a:r>
@@ -5201,7 +5385,7 @@
           <a:p>
             <a:pPr lvl="2"/>
             <a:r>
-              <a:rPr lang="en-US" dirty="0"/>
+              <a:rPr lang="en-US" b="1" dirty="0"/>
               <a:t>Machine learning potentials: </a:t>
             </a:r>
             <a:r>
@@ -5265,7 +5449,7 @@
           <a:p>
             <a:r>
               <a:rPr lang="en-US" dirty="0"/>
-              <a:t>Workshop notebooks</a:t>
+              <a:t>Workshop Notebooks</a:t>
             </a:r>
           </a:p>
         </p:txBody>
@@ -5405,7 +5589,7 @@
           <a:p>
             <a:r>
               <a:rPr lang="en-US" dirty="0"/>
-              <a:t>Getting help after the workshop</a:t>
+              <a:t>Getting Help After the Workshop</a:t>
             </a:r>
           </a:p>
         </p:txBody>
@@ -5428,41 +5612,98 @@
         </p:nvSpPr>
         <p:spPr/>
         <p:txBody>
-          <a:bodyPr/>
+          <a:bodyPr>
+            <a:normAutofit/>
+          </a:bodyPr>
           <a:lstStyle/>
           <a:p>
             <a:r>
               <a:rPr lang="en-US" dirty="0"/>
               <a:t>For workshop specific issues: </a:t>
-            </a:r>
-            <a:r>
-              <a:rPr lang="en-US" dirty="0">
-                <a:hlinkClick r:id="rId2"/>
-              </a:rPr>
-              <a:t>https://github.com/openmm/openmm_workshop_july2023</a:t>
-            </a:r>
-            <a:endParaRPr lang="en-US" dirty="0"/>
-          </a:p>
-          <a:p>
-            <a:r>
-              <a:rPr lang="en-US" dirty="0"/>
-              <a:t>For all </a:t>
-            </a:r>
-            <a:r>
-              <a:rPr lang="en-US" dirty="0" err="1"/>
-              <a:t>OpenMM</a:t>
-            </a:r>
-            <a:r>
-              <a:rPr lang="en-US" dirty="0"/>
-              <a:t> issues: </a:t>
             </a:r>
             <a:r>
               <a:rPr lang="en-US" dirty="0">
                 <a:hlinkClick r:id="rId3"/>
               </a:rPr>
+              <a:t>https://github.com/openmm/openmm_workshops</a:t>
+            </a:r>
+            <a:endParaRPr lang="en-US" dirty="0"/>
+          </a:p>
+          <a:p>
+            <a:r>
+              <a:rPr lang="en-US" dirty="0"/>
+              <a:t>Check the documentation: </a:t>
+            </a:r>
+            <a:r>
+              <a:rPr lang="en-US" dirty="0">
+                <a:hlinkClick r:id="rId4"/>
+              </a:rPr>
+              <a:t>http://docs.openmm.org/latest/userguide/</a:t>
+            </a:r>
+            <a:endParaRPr lang="en-US" dirty="0"/>
+          </a:p>
+          <a:p>
+            <a:r>
+              <a:rPr lang="en-US" dirty="0"/>
+              <a:t>For all </a:t>
+            </a:r>
+            <a:r>
+              <a:rPr lang="en-US" dirty="0" err="1"/>
+              <a:t>OpenMM</a:t>
+            </a:r>
+            <a:r>
+              <a:rPr lang="en-US" dirty="0"/>
+              <a:t> issues:</a:t>
+            </a:r>
+          </a:p>
+          <a:p>
+            <a:pPr lvl="1"/>
+            <a:r>
+              <a:rPr lang="en-US" sz="2800" dirty="0">
+                <a:hlinkClick r:id="rId5"/>
+              </a:rPr>
               <a:t>https://github.com/openmm/openmm/issues</a:t>
             </a:r>
-            <a:endParaRPr lang="en-US" dirty="0"/>
+            <a:endParaRPr lang="en-US" sz="2800" dirty="0"/>
+          </a:p>
+          <a:p>
+            <a:pPr lvl="1"/>
+            <a:r>
+              <a:rPr lang="en-US" sz="2800" dirty="0"/>
+              <a:t>You can also use the issues pages of other packages from the </a:t>
+            </a:r>
+            <a:r>
+              <a:rPr lang="en-US" sz="2800" dirty="0" err="1"/>
+              <a:t>OpenMM</a:t>
+            </a:r>
+            <a:r>
+              <a:rPr lang="en-US" sz="2800" dirty="0"/>
+              <a:t> ecosystem (</a:t>
+            </a:r>
+            <a:r>
+              <a:rPr lang="en-US" sz="2800" i="1" dirty="0" err="1"/>
+              <a:t>e.g</a:t>
+            </a:r>
+            <a:r>
+              <a:rPr lang="en-US" sz="2800" dirty="0"/>
+              <a:t>, </a:t>
+            </a:r>
+            <a:r>
+              <a:rPr lang="en-US" sz="2800" dirty="0" err="1"/>
+              <a:t>OpenMM</a:t>
+            </a:r>
+            <a:r>
+              <a:rPr lang="en-US" sz="2800" dirty="0"/>
+              <a:t>-ML, </a:t>
+            </a:r>
+            <a:r>
+              <a:rPr lang="en-US" sz="2800" dirty="0" err="1"/>
+              <a:t>OpenMM</a:t>
+            </a:r>
+            <a:r>
+              <a:rPr lang="en-US" sz="2800" dirty="0"/>
+              <a:t>-Torch, etc.)</a:t>
+            </a:r>
           </a:p>
           <a:p>
             <a:r>
